--- a/PROG8245_Final_Project.pptx
+++ b/PROG8245_Final_Project.pptx
@@ -263,6 +263,11 @@
       </a:defRPr>
     </a:lvl9pPr>
   </p:defaultTextStyle>
+  <p:extLst>
+    <p:ext uri="{EFAFB233-063F-42B5-8137-9DF3F51BA10A}">
+      <p15:sldGuideLst xmlns:p15="http://schemas.microsoft.com/office/powerpoint/2012/main"/>
+    </p:ext>
+  </p:extLst>
 </p:presentation>
 </file>
 
@@ -5662,12 +5667,16 @@
               <a:buNone/>
             </a:pPr>
             <a:r>
+              <a:rPr lang="en-CA" b="1" dirty="0"/>
+              <a:t>de Paula Fernandez, </a:t>
+            </a:r>
+            <a:r>
               <a:rPr lang="en-CA" b="1" dirty="0" err="1"/>
               <a:t>Arcadio</a:t>
             </a:r>
             <a:r>
               <a:rPr lang="en-CA" b="1" dirty="0"/>
-              <a:t> -</a:t>
+              <a:t> - 8951215</a:t>
             </a:r>
           </a:p>
           <a:p>
@@ -5681,12 +5690,16 @@
               <a:buNone/>
             </a:pPr>
             <a:r>
+              <a:rPr lang="en-CA" b="1" dirty="0"/>
+              <a:t>Ku, Shih-</a:t>
+            </a:r>
+            <a:r>
               <a:rPr lang="en-CA" b="1" dirty="0" err="1"/>
-              <a:t>Givors</a:t>
+              <a:t>Chieh</a:t>
             </a:r>
             <a:r>
               <a:rPr lang="en-CA" b="1" dirty="0"/>
-              <a:t> Ku -</a:t>
+              <a:t> - 8906826</a:t>
             </a:r>
           </a:p>
           <a:p>
@@ -5762,7 +5775,7 @@
             </a:pPr>
             <a:r>
               <a:rPr lang="en-CA" dirty="0"/>
-              <a:t>Apr 14 2024</a:t>
+              <a:t>Apr, 14 2024</a:t>
             </a:r>
           </a:p>
           <a:p>
@@ -6045,6 +6058,95 @@
           </a:prstGeom>
         </p:spPr>
       </p:pic>
+      <p:sp>
+        <p:nvSpPr>
+          <p:cNvPr id="7" name="文本框 6">
+            <a:extLst>
+              <a:ext uri="{FF2B5EF4-FFF2-40B4-BE49-F238E27FC236}">
+                <a16:creationId xmlns:a16="http://schemas.microsoft.com/office/drawing/2014/main" id="{46447B4C-8300-B72B-69CA-CF6921EEC5A2}"/>
+              </a:ext>
+            </a:extLst>
+          </p:cNvPr>
+          <p:cNvSpPr txBox="1"/>
+          <p:nvPr/>
+        </p:nvSpPr>
+        <p:spPr>
+          <a:xfrm>
+            <a:off x="4945009" y="574475"/>
+            <a:ext cx="4583150" cy="369332"/>
+          </a:xfrm>
+          <a:prstGeom prst="rect">
+            <a:avLst/>
+          </a:prstGeom>
+          <a:noFill/>
+        </p:spPr>
+        <p:txBody>
+          <a:bodyPr wrap="square">
+            <a:spAutoFit/>
+          </a:bodyPr>
+          <a:lstStyle/>
+          <a:p>
+            <a:pPr marL="0" marR="0" lvl="0" indent="0" algn="l" defTabSz="914400" rtl="0" eaLnBrk="1" fontAlgn="auto" latinLnBrk="0" hangingPunct="1">
+              <a:lnSpc>
+                <a:spcPct val="100000"/>
+              </a:lnSpc>
+              <a:spcBef>
+                <a:spcPts val="0"/>
+              </a:spcBef>
+              <a:spcAft>
+                <a:spcPts val="1600"/>
+              </a:spcAft>
+              <a:buClr>
+                <a:srgbClr val="4A8CFF"/>
+              </a:buClr>
+              <a:buSzPts val="1800"/>
+              <a:buFont typeface="Montserrat"/>
+              <a:buNone/>
+              <a:tabLst/>
+              <a:defRPr/>
+            </a:pPr>
+            <a:r>
+              <a:rPr kumimoji="0" lang="en-CA" altLang="zh-CN" sz="1800" b="1" i="0" u="none" strike="noStrike" kern="0" cap="none" spc="0" normalizeH="0" baseline="0" noProof="0" dirty="0">
+                <a:ln>
+                  <a:noFill/>
+                </a:ln>
+                <a:solidFill>
+                  <a:srgbClr val="003BA3"/>
+                </a:solidFill>
+                <a:effectLst/>
+                <a:uLnTx/>
+                <a:uFillTx/>
+                <a:latin typeface="Montserrat"/>
+                <a:sym typeface="Montserrat"/>
+              </a:rPr>
+              <a:t>— </a:t>
+            </a:r>
+            <a:r>
+              <a:rPr lang="en-CA" altLang="zh-CN" sz="1800" b="1" dirty="0">
+                <a:solidFill>
+                  <a:srgbClr val="003BA3"/>
+                </a:solidFill>
+                <a:latin typeface="Montserrat"/>
+                <a:sym typeface="Montserrat"/>
+              </a:rPr>
+              <a:t>Kyle (Chen, Kun)</a:t>
+            </a:r>
+            <a:endParaRPr kumimoji="0" lang="en-CA" altLang="zh-CN" sz="1800" b="1" i="0" u="none" strike="noStrike" kern="0" cap="none" spc="0" normalizeH="0" baseline="0" noProof="0" dirty="0">
+              <a:ln>
+                <a:noFill/>
+              </a:ln>
+              <a:solidFill>
+                <a:srgbClr val="003BA3"/>
+              </a:solidFill>
+              <a:effectLst/>
+              <a:uLnTx/>
+              <a:uFillTx/>
+              <a:latin typeface="Montserrat"/>
+              <a:sym typeface="Montserrat"/>
+            </a:endParaRPr>
+          </a:p>
+        </p:txBody>
+      </p:sp>
     </p:spTree>
     <p:extLst>
       <p:ext uri="{BB962C8B-B14F-4D97-AF65-F5344CB8AC3E}">
@@ -6275,6 +6377,95 @@
           </a:prstGeom>
         </p:spPr>
       </p:pic>
+      <p:sp>
+        <p:nvSpPr>
+          <p:cNvPr id="2" name="文本框 1">
+            <a:extLst>
+              <a:ext uri="{FF2B5EF4-FFF2-40B4-BE49-F238E27FC236}">
+                <a16:creationId xmlns:a16="http://schemas.microsoft.com/office/drawing/2014/main" id="{6FF1390E-92E5-1903-8D5D-1E2C5C6F9900}"/>
+              </a:ext>
+            </a:extLst>
+          </p:cNvPr>
+          <p:cNvSpPr txBox="1"/>
+          <p:nvPr/>
+        </p:nvSpPr>
+        <p:spPr>
+          <a:xfrm>
+            <a:off x="4945009" y="574475"/>
+            <a:ext cx="4583150" cy="369332"/>
+          </a:xfrm>
+          <a:prstGeom prst="rect">
+            <a:avLst/>
+          </a:prstGeom>
+          <a:noFill/>
+        </p:spPr>
+        <p:txBody>
+          <a:bodyPr wrap="square">
+            <a:spAutoFit/>
+          </a:bodyPr>
+          <a:lstStyle/>
+          <a:p>
+            <a:pPr marL="0" marR="0" lvl="0" indent="0" algn="l" defTabSz="914400" rtl="0" eaLnBrk="1" fontAlgn="auto" latinLnBrk="0" hangingPunct="1">
+              <a:lnSpc>
+                <a:spcPct val="100000"/>
+              </a:lnSpc>
+              <a:spcBef>
+                <a:spcPts val="0"/>
+              </a:spcBef>
+              <a:spcAft>
+                <a:spcPts val="1600"/>
+              </a:spcAft>
+              <a:buClr>
+                <a:srgbClr val="4A8CFF"/>
+              </a:buClr>
+              <a:buSzPts val="1800"/>
+              <a:buFont typeface="Montserrat"/>
+              <a:buNone/>
+              <a:tabLst/>
+              <a:defRPr/>
+            </a:pPr>
+            <a:r>
+              <a:rPr kumimoji="0" lang="en-CA" altLang="zh-CN" sz="1800" b="1" i="0" u="none" strike="noStrike" kern="0" cap="none" spc="0" normalizeH="0" baseline="0" noProof="0" dirty="0">
+                <a:ln>
+                  <a:noFill/>
+                </a:ln>
+                <a:solidFill>
+                  <a:srgbClr val="003BA3"/>
+                </a:solidFill>
+                <a:effectLst/>
+                <a:uLnTx/>
+                <a:uFillTx/>
+                <a:latin typeface="Montserrat"/>
+                <a:sym typeface="Montserrat"/>
+              </a:rPr>
+              <a:t>— </a:t>
+            </a:r>
+            <a:r>
+              <a:rPr lang="en-CA" altLang="zh-CN" sz="1800" b="1" dirty="0">
+                <a:solidFill>
+                  <a:srgbClr val="003BA3"/>
+                </a:solidFill>
+                <a:latin typeface="Montserrat"/>
+                <a:sym typeface="Montserrat"/>
+              </a:rPr>
+              <a:t>Kyle (Chen, Kun)</a:t>
+            </a:r>
+            <a:endParaRPr kumimoji="0" lang="en-CA" altLang="zh-CN" sz="1800" b="1" i="0" u="none" strike="noStrike" kern="0" cap="none" spc="0" normalizeH="0" baseline="0" noProof="0" dirty="0">
+              <a:ln>
+                <a:noFill/>
+              </a:ln>
+              <a:solidFill>
+                <a:srgbClr val="003BA3"/>
+              </a:solidFill>
+              <a:effectLst/>
+              <a:uLnTx/>
+              <a:uFillTx/>
+              <a:latin typeface="Montserrat"/>
+              <a:sym typeface="Montserrat"/>
+            </a:endParaRPr>
+          </a:p>
+        </p:txBody>
+      </p:sp>
     </p:spTree>
   </p:cSld>
   <p:clrMapOvr>
@@ -6758,7 +6949,7 @@
               <a:buNone/>
             </a:pPr>
             <a:r>
-              <a:rPr lang="en-CA" altLang="zh-CN" dirty="0">
+              <a:rPr lang="en-CA" altLang="zh-CN" b="1" dirty="0">
                 <a:effectLst/>
                 <a:latin typeface="Arial" panose="020B0604020202020204" pitchFamily="34" charset="0"/>
               </a:rPr>
@@ -6858,7 +7049,117 @@
               <a:rPr lang="en-CA" dirty="0"/>
               <a:t>Ignore the long content</a:t>
             </a:r>
+          </a:p>
+          <a:p>
+            <a:pPr marL="285750" indent="-285750">
+              <a:lnSpc>
+                <a:spcPct val="200000"/>
+              </a:lnSpc>
+              <a:buClr>
+                <a:schemeClr val="dk1"/>
+              </a:buClr>
+              <a:buSzPts val="1100"/>
+              <a:buFont typeface="Arial" panose="020B0604020202020204" pitchFamily="34" charset="0"/>
+              <a:buChar char="•"/>
+            </a:pPr>
+            <a:r>
+              <a:rPr lang="en-CA" dirty="0"/>
+              <a:t>Remove html label by </a:t>
+            </a:r>
+            <a:r>
+              <a:rPr lang="en-CA" dirty="0" err="1"/>
+              <a:t>BeautifulSoap</a:t>
+            </a:r>
             <a:endParaRPr lang="en" dirty="0"/>
+          </a:p>
+        </p:txBody>
+      </p:sp>
+      <p:sp>
+        <p:nvSpPr>
+          <p:cNvPr id="4" name="文本框 3">
+            <a:extLst>
+              <a:ext uri="{FF2B5EF4-FFF2-40B4-BE49-F238E27FC236}">
+                <a16:creationId xmlns:a16="http://schemas.microsoft.com/office/drawing/2014/main" id="{19273A8B-89E7-02E9-84BD-E8F596E11C2C}"/>
+              </a:ext>
+            </a:extLst>
+          </p:cNvPr>
+          <p:cNvSpPr txBox="1"/>
+          <p:nvPr/>
+        </p:nvSpPr>
+        <p:spPr>
+          <a:xfrm>
+            <a:off x="4945009" y="574475"/>
+            <a:ext cx="4583150" cy="369332"/>
+          </a:xfrm>
+          <a:prstGeom prst="rect">
+            <a:avLst/>
+          </a:prstGeom>
+          <a:noFill/>
+        </p:spPr>
+        <p:txBody>
+          <a:bodyPr wrap="square">
+            <a:spAutoFit/>
+          </a:bodyPr>
+          <a:lstStyle/>
+          <a:p>
+            <a:pPr marL="0" marR="0" lvl="0" indent="0" algn="l" defTabSz="914400" rtl="0" eaLnBrk="1" fontAlgn="auto" latinLnBrk="0" hangingPunct="1">
+              <a:lnSpc>
+                <a:spcPct val="100000"/>
+              </a:lnSpc>
+              <a:spcBef>
+                <a:spcPts val="0"/>
+              </a:spcBef>
+              <a:spcAft>
+                <a:spcPts val="1600"/>
+              </a:spcAft>
+              <a:buClr>
+                <a:srgbClr val="4A8CFF"/>
+              </a:buClr>
+              <a:buSzPts val="1800"/>
+              <a:buFont typeface="Montserrat"/>
+              <a:buNone/>
+              <a:tabLst/>
+              <a:defRPr/>
+            </a:pPr>
+            <a:r>
+              <a:rPr kumimoji="0" lang="en-CA" altLang="zh-CN" sz="1800" b="1" i="0" u="none" strike="noStrike" kern="0" cap="none" spc="0" normalizeH="0" baseline="0" noProof="0" dirty="0">
+                <a:ln>
+                  <a:noFill/>
+                </a:ln>
+                <a:solidFill>
+                  <a:srgbClr val="003BA3"/>
+                </a:solidFill>
+                <a:effectLst/>
+                <a:uLnTx/>
+                <a:uFillTx/>
+                <a:latin typeface="Montserrat"/>
+                <a:sym typeface="Montserrat"/>
+              </a:rPr>
+              <a:t>— </a:t>
+            </a:r>
+            <a:r>
+              <a:rPr lang="en-CA" altLang="zh-CN" sz="1800" b="1" dirty="0">
+                <a:solidFill>
+                  <a:srgbClr val="003BA3"/>
+                </a:solidFill>
+                <a:latin typeface="Montserrat"/>
+                <a:sym typeface="Montserrat"/>
+              </a:rPr>
+              <a:t>Kyle (Chen, Kun)</a:t>
+            </a:r>
+            <a:endParaRPr kumimoji="0" lang="en-CA" altLang="zh-CN" sz="1800" b="1" i="0" u="none" strike="noStrike" kern="0" cap="none" spc="0" normalizeH="0" baseline="0" noProof="0" dirty="0">
+              <a:ln>
+                <a:noFill/>
+              </a:ln>
+              <a:solidFill>
+                <a:srgbClr val="003BA3"/>
+              </a:solidFill>
+              <a:effectLst/>
+              <a:uLnTx/>
+              <a:uFillTx/>
+              <a:latin typeface="Montserrat"/>
+              <a:sym typeface="Montserrat"/>
+            </a:endParaRPr>
           </a:p>
         </p:txBody>
       </p:sp>
@@ -7045,6 +7346,125 @@
           </a:prstGeom>
         </p:spPr>
       </p:pic>
+      <p:sp>
+        <p:nvSpPr>
+          <p:cNvPr id="2" name="文本框 1">
+            <a:extLst>
+              <a:ext uri="{FF2B5EF4-FFF2-40B4-BE49-F238E27FC236}">
+                <a16:creationId xmlns:a16="http://schemas.microsoft.com/office/drawing/2014/main" id="{28B57538-042E-C7F5-E588-E0F07F1626A4}"/>
+              </a:ext>
+            </a:extLst>
+          </p:cNvPr>
+          <p:cNvSpPr txBox="1"/>
+          <p:nvPr/>
+        </p:nvSpPr>
+        <p:spPr>
+          <a:xfrm>
+            <a:off x="387878" y="753588"/>
+            <a:ext cx="4583150" cy="369332"/>
+          </a:xfrm>
+          <a:prstGeom prst="rect">
+            <a:avLst/>
+          </a:prstGeom>
+          <a:noFill/>
+        </p:spPr>
+        <p:txBody>
+          <a:bodyPr wrap="square">
+            <a:spAutoFit/>
+          </a:bodyPr>
+          <a:lstStyle/>
+          <a:p>
+            <a:pPr marL="0" marR="0" lvl="0" indent="0" algn="l" defTabSz="914400" rtl="0" eaLnBrk="1" fontAlgn="auto" latinLnBrk="0" hangingPunct="1">
+              <a:lnSpc>
+                <a:spcPct val="100000"/>
+              </a:lnSpc>
+              <a:spcBef>
+                <a:spcPts val="0"/>
+              </a:spcBef>
+              <a:spcAft>
+                <a:spcPts val="1600"/>
+              </a:spcAft>
+              <a:buClr>
+                <a:srgbClr val="4A8CFF"/>
+              </a:buClr>
+              <a:buSzPts val="1800"/>
+              <a:buFont typeface="Montserrat"/>
+              <a:buNone/>
+              <a:tabLst/>
+              <a:defRPr/>
+            </a:pPr>
+            <a:r>
+              <a:rPr kumimoji="0" lang="en-CA" altLang="zh-CN" sz="1800" b="1" i="0" u="none" strike="noStrike" kern="0" cap="none" spc="0" normalizeH="0" baseline="0" noProof="0" dirty="0">
+                <a:ln>
+                  <a:noFill/>
+                </a:ln>
+                <a:solidFill>
+                  <a:srgbClr val="003BA3"/>
+                </a:solidFill>
+                <a:effectLst/>
+                <a:uLnTx/>
+                <a:uFillTx/>
+                <a:latin typeface="Montserrat"/>
+                <a:sym typeface="Montserrat"/>
+              </a:rPr>
+              <a:t>— </a:t>
+            </a:r>
+            <a:r>
+              <a:rPr lang="en-CA" altLang="zh-CN" sz="1800" b="1" dirty="0" err="1">
+                <a:solidFill>
+                  <a:srgbClr val="003BA3"/>
+                </a:solidFill>
+                <a:latin typeface="Montserrat"/>
+                <a:sym typeface="Montserrat"/>
+              </a:rPr>
+              <a:t>Givors</a:t>
+            </a:r>
+            <a:r>
+              <a:rPr lang="en-CA" altLang="zh-CN" sz="1800" b="1" dirty="0">
+                <a:solidFill>
+                  <a:srgbClr val="003BA3"/>
+                </a:solidFill>
+                <a:latin typeface="Montserrat"/>
+                <a:sym typeface="Montserrat"/>
+              </a:rPr>
+              <a:t> (Ku, Shih-</a:t>
+            </a:r>
+            <a:r>
+              <a:rPr lang="en-CA" altLang="zh-CN" sz="1800" b="1" dirty="0" err="1">
+                <a:solidFill>
+                  <a:srgbClr val="003BA3"/>
+                </a:solidFill>
+                <a:latin typeface="Montserrat"/>
+                <a:sym typeface="Montserrat"/>
+              </a:rPr>
+              <a:t>Chieh</a:t>
+            </a:r>
+            <a:r>
+              <a:rPr lang="en-CA" altLang="zh-CN" sz="1800" b="1" dirty="0">
+                <a:solidFill>
+                  <a:srgbClr val="003BA3"/>
+                </a:solidFill>
+                <a:latin typeface="Montserrat"/>
+                <a:sym typeface="Montserrat"/>
+              </a:rPr>
+              <a:t>)</a:t>
+            </a:r>
+            <a:endParaRPr kumimoji="0" lang="en-CA" altLang="zh-CN" sz="1800" b="1" i="0" u="none" strike="noStrike" kern="0" cap="none" spc="0" normalizeH="0" baseline="0" noProof="0" dirty="0">
+              <a:ln>
+                <a:noFill/>
+              </a:ln>
+              <a:solidFill>
+                <a:srgbClr val="003BA3"/>
+              </a:solidFill>
+              <a:effectLst/>
+              <a:uLnTx/>
+              <a:uFillTx/>
+              <a:latin typeface="Montserrat"/>
+              <a:sym typeface="Montserrat"/>
+            </a:endParaRPr>
+          </a:p>
+        </p:txBody>
+      </p:sp>
     </p:spTree>
   </p:cSld>
   <p:clrMapOvr>
@@ -7132,7 +7552,7 @@
         </p:nvSpPr>
         <p:spPr>
           <a:xfrm>
-            <a:off x="1098799" y="2163000"/>
+            <a:off x="1098800" y="3359897"/>
             <a:ext cx="4201747" cy="408600"/>
           </a:xfrm>
           <a:prstGeom prst="rect">
@@ -7211,7 +7631,47 @@
             </a:pPr>
             <a:r>
               <a:rPr lang="en-US" dirty="0"/>
-              <a:t>Vectorize the dataset with TF-IDF </a:t>
+              <a:t>Vectorize the dataset with TF-IDF</a:t>
+            </a:r>
+          </a:p>
+          <a:p>
+            <a:pPr marL="0" lvl="0" indent="0" algn="l" rtl="0">
+              <a:spcBef>
+                <a:spcPts val="0"/>
+              </a:spcBef>
+              <a:spcAft>
+                <a:spcPts val="1600"/>
+              </a:spcAft>
+              <a:buClr>
+                <a:schemeClr val="dk1"/>
+              </a:buClr>
+              <a:buSzPts val="1100"/>
+              <a:buFont typeface="Arial"/>
+              <a:buNone/>
+            </a:pPr>
+            <a:r>
+              <a:rPr lang="en-US" dirty="0"/>
+              <a:t>Predictive Model: Word2Vec</a:t>
+            </a:r>
+          </a:p>
+          <a:p>
+            <a:pPr marL="0" lvl="0" indent="0" algn="l" rtl="0">
+              <a:spcBef>
+                <a:spcPts val="0"/>
+              </a:spcBef>
+              <a:spcAft>
+                <a:spcPts val="1600"/>
+              </a:spcAft>
+              <a:buClr>
+                <a:schemeClr val="dk1"/>
+              </a:buClr>
+              <a:buSzPts val="1100"/>
+              <a:buFont typeface="Arial"/>
+              <a:buNone/>
+            </a:pPr>
+            <a:r>
+              <a:rPr lang="en-US" dirty="0"/>
+              <a:t>Sparse Matrix Factorization: Non-negative Matrix Factorization (NMF) </a:t>
             </a:r>
             <a:endParaRPr dirty="0"/>
           </a:p>
